--- a/docs/diagrams/updateTimetableViewSequenceDiagram.pptx
+++ b/docs/diagrams/updateTimetableViewSequenceDiagram.pptx
@@ -4314,8 +4314,8 @@
         </p:nvSpPr>
         <p:spPr>
           <a:xfrm>
-            <a:off x="4367445" y="2789192"/>
-            <a:ext cx="1904559" cy="215444"/>
+            <a:off x="4227958" y="2815344"/>
+            <a:ext cx="1986124" cy="215444"/>
           </a:xfrm>
           <a:prstGeom prst="rect">
             <a:avLst/>
@@ -4620,7 +4620,7 @@
         </p:nvSpPr>
         <p:spPr>
           <a:xfrm>
-            <a:off x="4476453" y="3148986"/>
+            <a:off x="4424647" y="3148669"/>
             <a:ext cx="2076747" cy="215444"/>
           </a:xfrm>
           <a:prstGeom prst="rect">
@@ -4636,7 +4636,7 @@
           <a:p>
             <a:pPr algn="r"/>
             <a:r>
-              <a:rPr lang="en-US" sz="1400" smtClean="0">
+              <a:rPr lang="en-US" sz="1400" dirty="0" err="1" smtClean="0">
                 <a:solidFill>
                   <a:srgbClr val="00AD4E"/>
                 </a:solidFill>
@@ -4980,7 +4980,7 @@
         </p:nvSpPr>
         <p:spPr>
           <a:xfrm>
-            <a:off x="4476453" y="3988550"/>
+            <a:off x="4356395" y="4006222"/>
             <a:ext cx="1543347" cy="215444"/>
           </a:xfrm>
           <a:prstGeom prst="rect">
@@ -5211,7 +5211,7 @@
         </p:nvSpPr>
         <p:spPr>
           <a:xfrm>
-            <a:off x="4533151" y="4764819"/>
+            <a:off x="4382815" y="4814756"/>
             <a:ext cx="1738853" cy="215444"/>
           </a:xfrm>
           <a:prstGeom prst="rect">
@@ -5227,7 +5227,7 @@
           <a:p>
             <a:pPr algn="r"/>
             <a:r>
-              <a:rPr lang="en-US" sz="1400" smtClean="0">
+              <a:rPr lang="en-US" sz="1400" dirty="0" err="1" smtClean="0">
                 <a:solidFill>
                   <a:srgbClr val="00AD4E"/>
                 </a:solidFill>
@@ -5402,7 +5402,7 @@
         </p:nvSpPr>
         <p:spPr>
           <a:xfrm>
-            <a:off x="4579643" y="5453729"/>
+            <a:off x="4460703" y="5471004"/>
             <a:ext cx="1692361" cy="215444"/>
           </a:xfrm>
           <a:prstGeom prst="rect">

--- a/docs/diagrams/updateTimetableViewSequenceDiagram.pptx
+++ b/docs/diagrams/updateTimetableViewSequenceDiagram.pptx
@@ -3764,8 +3764,8 @@
         </p:nvSpPr>
         <p:spPr>
           <a:xfrm>
-            <a:off x="5142020" y="3412950"/>
-            <a:ext cx="2030273" cy="215444"/>
+            <a:off x="4974603" y="3412950"/>
+            <a:ext cx="2030273" cy="184666"/>
           </a:xfrm>
           <a:prstGeom prst="rect">
             <a:avLst/>
@@ -3790,14 +3790,14 @@
           </a:lstStyle>
           <a:p>
             <a:r>
-              <a:rPr lang="en-US" dirty="0" err="1" smtClean="0"/>
+              <a:rPr lang="en-US" sz="1200" dirty="0" err="1" smtClean="0"/>
               <a:t>getCurrentDisplayedDate</a:t>
             </a:r>
             <a:r>
-              <a:rPr lang="en-US" dirty="0" smtClean="0"/>
+              <a:rPr lang="en-US" sz="1200" dirty="0" smtClean="0"/>
               <a:t>()</a:t>
             </a:r>
-            <a:endParaRPr lang="en-US" dirty="0"/>
+            <a:endParaRPr lang="en-US" sz="1200" dirty="0"/>
           </a:p>
         </p:txBody>
       </p:sp>
@@ -4129,21 +4129,21 @@
         </p:nvSpPr>
         <p:spPr>
           <a:xfrm>
-            <a:off x="1029044" y="2560473"/>
-            <a:ext cx="3161956" cy="307777"/>
+            <a:off x="1095646" y="2574387"/>
+            <a:ext cx="3195284" cy="276999"/>
           </a:xfrm>
           <a:prstGeom prst="rect">
             <a:avLst/>
           </a:prstGeom>
         </p:spPr>
         <p:txBody>
-          <a:bodyPr wrap="none">
+          <a:bodyPr wrap="square">
             <a:spAutoFit/>
           </a:bodyPr>
           <a:lstStyle/>
           <a:p>
             <a:r>
-              <a:rPr lang="en-US" sz="1400" dirty="0" err="1" smtClean="0">
+              <a:rPr lang="en-US" sz="1200" dirty="0" err="1" smtClean="0">
                 <a:solidFill>
                   <a:srgbClr val="00B050"/>
                 </a:solidFill>
@@ -4151,14 +4151,14 @@
               <a:t>handlePartTimeManagerChangedEvent</a:t>
             </a:r>
             <a:r>
-              <a:rPr lang="en-US" sz="1400" dirty="0" smtClean="0">
+              <a:rPr lang="en-US" sz="1200" dirty="0" smtClean="0">
                 <a:solidFill>
                   <a:srgbClr val="00B050"/>
                 </a:solidFill>
               </a:rPr>
               <a:t>()</a:t>
             </a:r>
-            <a:endParaRPr lang="en-US" sz="1400" dirty="0"/>
+            <a:endParaRPr lang="en-US" sz="1200" dirty="0"/>
           </a:p>
         </p:txBody>
       </p:sp>
@@ -4314,8 +4314,8 @@
         </p:nvSpPr>
         <p:spPr>
           <a:xfrm>
-            <a:off x="4227958" y="2815344"/>
-            <a:ext cx="1986124" cy="215444"/>
+            <a:off x="4060541" y="2815344"/>
+            <a:ext cx="1986124" cy="184666"/>
           </a:xfrm>
           <a:prstGeom prst="rect">
             <a:avLst/>
@@ -4330,7 +4330,7 @@
           <a:p>
             <a:pPr algn="r"/>
             <a:r>
-              <a:rPr lang="en-US" sz="1400" dirty="0" err="1" smtClean="0">
+              <a:rPr lang="en-US" sz="1200" dirty="0" err="1" smtClean="0">
                 <a:solidFill>
                   <a:srgbClr val="00AD4E"/>
                 </a:solidFill>
@@ -4338,14 +4338,14 @@
               <a:t>updateTimetableView</a:t>
             </a:r>
             <a:r>
-              <a:rPr lang="en-US" sz="1400" dirty="0" smtClean="0">
+              <a:rPr lang="en-US" sz="1200" dirty="0" smtClean="0">
                 <a:solidFill>
                   <a:srgbClr val="00AD4E"/>
                 </a:solidFill>
               </a:rPr>
               <a:t>()</a:t>
             </a:r>
-            <a:endParaRPr lang="en-US" sz="1400" dirty="0">
+            <a:endParaRPr lang="en-US" sz="1200" dirty="0">
               <a:solidFill>
                 <a:srgbClr val="00AD4E"/>
               </a:solidFill>
@@ -4357,14 +4357,14 @@
         <p:nvCxnSpPr>
           <p:cNvPr id="69" name="Straight Arrow Connector 68"/>
           <p:cNvCxnSpPr>
-            <a:endCxn id="60" idx="0"/>
+            <a:endCxn id="65" idx="1"/>
           </p:cNvCxnSpPr>
           <p:nvPr/>
         </p:nvCxnSpPr>
         <p:spPr>
-          <a:xfrm flipV="1">
-            <a:off x="990600" y="2883744"/>
-            <a:ext cx="3125561" cy="4"/>
+          <a:xfrm>
+            <a:off x="990600" y="2883748"/>
+            <a:ext cx="3069941" cy="23929"/>
           </a:xfrm>
           <a:prstGeom prst="straightConnector1">
             <a:avLst/>
@@ -4402,7 +4402,7 @@
         </p:nvCxnSpPr>
         <p:spPr>
           <a:xfrm>
-            <a:off x="4442865" y="3658903"/>
+            <a:off x="4359763" y="3658903"/>
             <a:ext cx="2879237" cy="22337"/>
           </a:xfrm>
           <a:prstGeom prst="straightConnector1">
@@ -4620,8 +4620,8 @@
         </p:nvSpPr>
         <p:spPr>
           <a:xfrm>
-            <a:off x="4424647" y="3148669"/>
-            <a:ext cx="2076747" cy="215444"/>
+            <a:off x="4257230" y="3148669"/>
+            <a:ext cx="2076747" cy="184666"/>
           </a:xfrm>
           <a:prstGeom prst="rect">
             <a:avLst/>
@@ -4636,7 +4636,7 @@
           <a:p>
             <a:pPr algn="r"/>
             <a:r>
-              <a:rPr lang="en-US" sz="1400" dirty="0" err="1" smtClean="0">
+              <a:rPr lang="en-US" sz="1200" dirty="0" err="1" smtClean="0">
                 <a:solidFill>
                   <a:srgbClr val="00AD4E"/>
                 </a:solidFill>
@@ -4644,14 +4644,14 @@
               <a:t>setCurrentDisplayedDate</a:t>
             </a:r>
             <a:r>
-              <a:rPr lang="en-US" sz="1400" dirty="0" smtClean="0">
+              <a:rPr lang="en-US" sz="1200" dirty="0" smtClean="0">
                 <a:solidFill>
                   <a:srgbClr val="00AD4E"/>
                 </a:solidFill>
               </a:rPr>
               <a:t>()</a:t>
             </a:r>
-            <a:endParaRPr lang="en-US" sz="1400" dirty="0">
+            <a:endParaRPr lang="en-US" sz="1200" dirty="0">
               <a:solidFill>
                 <a:srgbClr val="00AD4E"/>
               </a:solidFill>
@@ -4662,15 +4662,12 @@
       <p:cxnSp>
         <p:nvCxnSpPr>
           <p:cNvPr id="17" name="Straight Arrow Connector 16"/>
-          <p:cNvCxnSpPr>
-            <a:stCxn id="101" idx="2"/>
-            <a:endCxn id="5" idx="2"/>
-          </p:cNvCxnSpPr>
+          <p:cNvCxnSpPr/>
           <p:nvPr/>
         </p:nvCxnSpPr>
         <p:spPr>
           <a:xfrm>
-            <a:off x="4327740" y="3875254"/>
+            <a:off x="4243425" y="3875254"/>
             <a:ext cx="3071775" cy="10947"/>
           </a:xfrm>
           <a:prstGeom prst="straightConnector1">
@@ -4755,8 +4752,8 @@
         </p:nvSpPr>
         <p:spPr>
           <a:xfrm>
-            <a:off x="5043710" y="4240660"/>
-            <a:ext cx="2197564" cy="215444"/>
+            <a:off x="4975332" y="4292172"/>
+            <a:ext cx="2197564" cy="184666"/>
           </a:xfrm>
           <a:prstGeom prst="rect">
             <a:avLst/>
@@ -4781,14 +4778,14 @@
           </a:lstStyle>
           <a:p>
             <a:r>
-              <a:rPr lang="en-US" dirty="0" err="1" smtClean="0"/>
+              <a:rPr lang="en-US" sz="1200" dirty="0" err="1" smtClean="0"/>
               <a:t>getCurrentDisplayedDate</a:t>
             </a:r>
             <a:r>
-              <a:rPr lang="en-US" dirty="0" smtClean="0"/>
+              <a:rPr lang="en-US" sz="1200" dirty="0" smtClean="0"/>
               <a:t>()</a:t>
             </a:r>
-            <a:endParaRPr lang="en-US" dirty="0"/>
+            <a:endParaRPr lang="en-US" sz="1200" dirty="0"/>
           </a:p>
         </p:txBody>
       </p:sp>
@@ -4980,8 +4977,8 @@
         </p:nvSpPr>
         <p:spPr>
           <a:xfrm>
-            <a:off x="4356395" y="4006222"/>
-            <a:ext cx="1543347" cy="215444"/>
+            <a:off x="4290930" y="4005825"/>
+            <a:ext cx="1543347" cy="184666"/>
           </a:xfrm>
           <a:prstGeom prst="rect">
             <a:avLst/>
@@ -4996,7 +4993,7 @@
           <a:p>
             <a:pPr algn="r"/>
             <a:r>
-              <a:rPr lang="en-US" sz="1400" dirty="0" err="1" smtClean="0">
+              <a:rPr lang="en-US" sz="1200" dirty="0" err="1" smtClean="0">
                 <a:solidFill>
                   <a:srgbClr val="00AD4E"/>
                 </a:solidFill>
@@ -5004,14 +5001,14 @@
               <a:t>setMonthDisplay</a:t>
             </a:r>
             <a:r>
-              <a:rPr lang="en-US" sz="1400" dirty="0" smtClean="0">
+              <a:rPr lang="en-US" sz="1200" dirty="0" smtClean="0">
                 <a:solidFill>
                   <a:srgbClr val="00AD4E"/>
                 </a:solidFill>
               </a:rPr>
               <a:t>()</a:t>
             </a:r>
-            <a:endParaRPr lang="en-US" sz="1400" dirty="0">
+            <a:endParaRPr lang="en-US" sz="1200" dirty="0">
               <a:solidFill>
                 <a:srgbClr val="00AD4E"/>
               </a:solidFill>
@@ -5211,8 +5208,8 @@
         </p:nvSpPr>
         <p:spPr>
           <a:xfrm>
-            <a:off x="4382815" y="4814756"/>
-            <a:ext cx="1738853" cy="215444"/>
+            <a:off x="4215398" y="4814756"/>
+            <a:ext cx="1738853" cy="184666"/>
           </a:xfrm>
           <a:prstGeom prst="rect">
             <a:avLst/>
@@ -5227,7 +5224,7 @@
           <a:p>
             <a:pPr algn="r"/>
             <a:r>
-              <a:rPr lang="en-US" sz="1400" dirty="0" err="1" smtClean="0">
+              <a:rPr lang="en-US" sz="1200" dirty="0" err="1" smtClean="0">
                 <a:solidFill>
                   <a:srgbClr val="00AD4E"/>
                 </a:solidFill>
@@ -5235,14 +5232,14 @@
               <a:t>resetTimetableView</a:t>
             </a:r>
             <a:r>
-              <a:rPr lang="en-US" sz="1400" dirty="0" smtClean="0">
+              <a:rPr lang="en-US" sz="1200" dirty="0" smtClean="0">
                 <a:solidFill>
                   <a:srgbClr val="00AD4E"/>
                 </a:solidFill>
               </a:rPr>
               <a:t>()</a:t>
             </a:r>
-            <a:endParaRPr lang="en-US" sz="1400" dirty="0">
+            <a:endParaRPr lang="en-US" sz="1200" dirty="0">
               <a:solidFill>
                 <a:srgbClr val="00AD4E"/>
               </a:solidFill>
@@ -5402,8 +5399,8 @@
         </p:nvSpPr>
         <p:spPr>
           <a:xfrm>
-            <a:off x="4460703" y="5471004"/>
-            <a:ext cx="1692361" cy="215444"/>
+            <a:off x="4257230" y="5490808"/>
+            <a:ext cx="1692361" cy="184666"/>
           </a:xfrm>
           <a:prstGeom prst="rect">
             <a:avLst/>
@@ -5418,7 +5415,7 @@
           <a:p>
             <a:pPr algn="r"/>
             <a:r>
-              <a:rPr lang="en-US" sz="1400" dirty="0" err="1" smtClean="0">
+              <a:rPr lang="en-US" sz="1200" dirty="0" err="1" smtClean="0">
                 <a:solidFill>
                   <a:srgbClr val="00AD4E"/>
                 </a:solidFill>
@@ -5426,14 +5423,14 @@
               <a:t>setTimetableRange</a:t>
             </a:r>
             <a:r>
-              <a:rPr lang="en-US" sz="1400" dirty="0" smtClean="0">
+              <a:rPr lang="en-US" sz="1200" dirty="0" smtClean="0">
                 <a:solidFill>
                   <a:srgbClr val="00AD4E"/>
                 </a:solidFill>
               </a:rPr>
               <a:t>()</a:t>
             </a:r>
-            <a:endParaRPr lang="en-US" sz="1400" dirty="0">
+            <a:endParaRPr lang="en-US" sz="1200" dirty="0">
               <a:solidFill>
                 <a:srgbClr val="00AD4E"/>
               </a:solidFill>
